--- a/game.pptx
+++ b/game.pptx
@@ -212,7 +212,7 @@
             <a:pPr rtl="0"/>
             <a:fld id="{0E749AC1-8D5E-4EB5-87AD-0760D45420E8}" type="datetime1">
               <a:rPr lang="ru-RU" noProof="1" smtClean="0"/>
-              <a:t>27.12.2021</a:t>
+              <a:t>13.01.2022</a:t>
             </a:fld>
             <a:endParaRPr lang="ru-RU" noProof="1"/>
           </a:p>
@@ -382,7 +382,7 @@
             <a:pPr rtl="0"/>
             <a:fld id="{0FC47C68-5B2F-42B5-95FE-C3031574EEB1}" type="datetime1">
               <a:rPr lang="ru-RU" noProof="1" smtClean="0"/>
-              <a:t>27.12.2021</a:t>
+              <a:t>13.01.2022</a:t>
             </a:fld>
             <a:endParaRPr lang="ru-RU" noProof="1"/>
           </a:p>
@@ -1844,7 +1844,7 @@
             <a:pPr rtl="0"/>
             <a:fld id="{29DF47DE-273E-488A-93E0-A11ADEA9B9C9}" type="datetime1">
               <a:rPr lang="ru-RU" noProof="1" dirty="0" smtClean="0"/>
-              <a:t>27.12.2021</a:t>
+              <a:t>13.01.2022</a:t>
             </a:fld>
             <a:endParaRPr lang="ru-RU" noProof="1"/>
           </a:p>
@@ -2139,7 +2139,7 @@
             <a:pPr rtl="0"/>
             <a:fld id="{A8853DAC-4AF5-4288-9253-BF40FCA4C3DA}" type="datetime1">
               <a:rPr lang="ru-RU" noProof="1" smtClean="0"/>
-              <a:t>27.12.2021</a:t>
+              <a:t>13.01.2022</a:t>
             </a:fld>
             <a:endParaRPr lang="ru-RU" noProof="1"/>
           </a:p>
@@ -2386,7 +2386,7 @@
             <a:pPr rtl="0"/>
             <a:fld id="{72FF79C8-D3F6-4B0D-9805-10EDB1C5EE9C}" type="datetime1">
               <a:rPr lang="ru-RU" noProof="1" smtClean="0"/>
-              <a:t>27.12.2021</a:t>
+              <a:t>13.01.2022</a:t>
             </a:fld>
             <a:endParaRPr lang="ru-RU" noProof="1"/>
           </a:p>
@@ -2925,7 +2925,7 @@
             <a:pPr rtl="0"/>
             <a:fld id="{01A6AD39-F790-4AE9-A3C0-EDD83650A5A1}" type="datetime1">
               <a:rPr lang="ru-RU" noProof="1" smtClean="0"/>
-              <a:t>27.12.2021</a:t>
+              <a:t>13.01.2022</a:t>
             </a:fld>
             <a:endParaRPr lang="ru-RU" noProof="1"/>
           </a:p>
@@ -3172,7 +3172,7 @@
             <a:pPr rtl="0"/>
             <a:fld id="{7B79C875-68A5-416C-953F-6060E3FF922E}" type="datetime1">
               <a:rPr lang="ru-RU" noProof="1" smtClean="0"/>
-              <a:t>27.12.2021</a:t>
+              <a:t>13.01.2022</a:t>
             </a:fld>
             <a:endParaRPr lang="ru-RU" noProof="1"/>
           </a:p>
@@ -3703,7 +3703,7 @@
             <a:pPr rtl="0"/>
             <a:fld id="{25177B04-ADE3-4D48-9249-8F6469DAAEB4}" type="datetime1">
               <a:rPr lang="ru-RU" noProof="1" smtClean="0"/>
-              <a:t>27.12.2021</a:t>
+              <a:t>13.01.2022</a:t>
             </a:fld>
             <a:endParaRPr lang="ru-RU" noProof="1"/>
           </a:p>
@@ -3998,7 +3998,7 @@
             <a:pPr rtl="0"/>
             <a:fld id="{9CB7D222-3BB8-4073-BC98-464DC2B015F1}" type="datetime1">
               <a:rPr lang="ru-RU" noProof="1" smtClean="0"/>
-              <a:t>27.12.2021</a:t>
+              <a:t>13.01.2022</a:t>
             </a:fld>
             <a:endParaRPr lang="ru-RU" noProof="1"/>
           </a:p>
@@ -4170,7 +4170,7 @@
             <a:pPr rtl="0"/>
             <a:fld id="{983A6F1E-4417-474E-8283-614818F2A4DB}" type="datetime1">
               <a:rPr lang="ru-RU" noProof="1" smtClean="0"/>
-              <a:t>27.12.2021</a:t>
+              <a:t>13.01.2022</a:t>
             </a:fld>
             <a:endParaRPr lang="ru-RU" noProof="1"/>
           </a:p>
@@ -4348,7 +4348,7 @@
             <a:pPr rtl="0"/>
             <a:fld id="{6CE311C0-3E11-41B8-89EC-2FF5859D4CFC}" type="datetime1">
               <a:rPr lang="ru-RU" noProof="1" smtClean="0"/>
-              <a:t>27.12.2021</a:t>
+              <a:t>13.01.2022</a:t>
             </a:fld>
             <a:endParaRPr lang="ru-RU" noProof="1"/>
           </a:p>
@@ -4516,7 +4516,7 @@
             <a:pPr rtl="0"/>
             <a:fld id="{42370B76-9E69-4F47-AA69-EACE3D52D2E7}" type="datetime1">
               <a:rPr lang="ru-RU" noProof="1" dirty="0" smtClean="0"/>
-              <a:t>27.12.2021</a:t>
+              <a:t>13.01.2022</a:t>
             </a:fld>
             <a:endParaRPr lang="ru-RU" noProof="1"/>
           </a:p>
@@ -4766,7 +4766,7 @@
             <a:pPr rtl="0"/>
             <a:fld id="{7DD5ABB4-2D0E-4613-A5D0-676E93A46986}" type="datetime1">
               <a:rPr lang="ru-RU" noProof="1" dirty="0" smtClean="0"/>
-              <a:t>27.12.2021</a:t>
+              <a:t>13.01.2022</a:t>
             </a:fld>
             <a:endParaRPr lang="ru-RU" noProof="1"/>
           </a:p>
@@ -5060,7 +5060,7 @@
             <a:pPr rtl="0"/>
             <a:fld id="{1A600C73-E6E6-4667-B4A9-574C1A31D491}" type="datetime1">
               <a:rPr lang="ru-RU" noProof="1" dirty="0" smtClean="0"/>
-              <a:t>27.12.2021</a:t>
+              <a:t>13.01.2022</a:t>
             </a:fld>
             <a:endParaRPr lang="ru-RU" noProof="1"/>
           </a:p>
@@ -5499,7 +5499,7 @@
             <a:pPr rtl="0"/>
             <a:fld id="{ABD6C61B-4BC7-450B-B521-067888A271A6}" type="datetime1">
               <a:rPr lang="ru-RU" noProof="1" smtClean="0"/>
-              <a:t>27.12.2021</a:t>
+              <a:t>13.01.2022</a:t>
             </a:fld>
             <a:endParaRPr lang="ru-RU" noProof="1"/>
           </a:p>
@@ -5616,7 +5616,7 @@
             <a:pPr rtl="0"/>
             <a:fld id="{A7369D23-9ED2-4009-8E40-364295259D64}" type="datetime1">
               <a:rPr lang="ru-RU" noProof="1" smtClean="0"/>
-              <a:t>27.12.2021</a:t>
+              <a:t>13.01.2022</a:t>
             </a:fld>
             <a:endParaRPr lang="ru-RU" noProof="1"/>
           </a:p>
@@ -5710,7 +5710,7 @@
             <a:pPr rtl="0"/>
             <a:fld id="{5B259CA2-169F-4CFE-965D-8D91E640A109}" type="datetime1">
               <a:rPr lang="ru-RU" noProof="1" smtClean="0"/>
-              <a:t>27.12.2021</a:t>
+              <a:t>13.01.2022</a:t>
             </a:fld>
             <a:endParaRPr lang="ru-RU" noProof="1"/>
           </a:p>
@@ -5991,7 +5991,7 @@
             <a:pPr rtl="0"/>
             <a:fld id="{52509601-BFB2-4950-8529-7030D9D2783A}" type="datetime1">
               <a:rPr lang="ru-RU" noProof="1" smtClean="0"/>
-              <a:t>27.12.2021</a:t>
+              <a:t>13.01.2022</a:t>
             </a:fld>
             <a:endParaRPr lang="ru-RU" noProof="1"/>
           </a:p>
@@ -6281,7 +6281,7 @@
             <a:pPr rtl="0"/>
             <a:fld id="{66AD2D47-3985-403D-BB64-6B05FCF3CD18}" type="datetime1">
               <a:rPr lang="ru-RU" noProof="1" smtClean="0"/>
-              <a:t>27.12.2021</a:t>
+              <a:t>13.01.2022</a:t>
             </a:fld>
             <a:endParaRPr lang="ru-RU" noProof="1"/>
           </a:p>
@@ -6809,7 +6809,7 @@
             <a:pPr rtl="0"/>
             <a:fld id="{802C4E0A-C8FF-40F8-8BC6-6C75382E8759}" type="datetime1">
               <a:rPr lang="ru-RU" noProof="1" dirty="0" smtClean="0"/>
-              <a:t>27.12.2021</a:t>
+              <a:t>13.01.2022</a:t>
             </a:fld>
             <a:endParaRPr lang="ru-RU" noProof="1"/>
           </a:p>
@@ -7909,7 +7909,7 @@
             </a:r>
             <a:r>
               <a:rPr lang="ru-RU" dirty="0"/>
-              <a:t>   Напарник Фёдор (больше не знаю)</a:t>
+              <a:t>   Напарник Фёдор</a:t>
             </a:r>
           </a:p>
         </p:txBody>
@@ -9108,7 +9108,15 @@
             </a:r>
             <a:r>
               <a:rPr lang="ru-RU" dirty="0"/>
-              <a:t>в коде программы реализовано несколько классов и функций которые отвечают за все процессы внутри программы, а именно:</a:t>
+              <a:t>в коде программы реализовано несколько</a:t>
+            </a:r>
+            <a:r>
+              <a:rPr lang="en-US" dirty="0"/>
+              <a:t> </a:t>
+            </a:r>
+            <a:r>
+              <a:rPr lang="ru-RU" dirty="0"/>
+              <a:t>основных классов и функций которые отвечают за все процессы внутри программы, а именно:</a:t>
             </a:r>
             <a:br>
               <a:rPr lang="ru-RU" dirty="0"/>
@@ -9132,6 +9140,19 @@
               <a:rPr lang="ru-RU" dirty="0"/>
               <a:t>класс </a:t>
             </a:r>
+            <a:r>
+              <a:rPr lang="en-US" dirty="0"/>
+              <a:t>Player(</a:t>
+            </a:r>
+            <a:r>
+              <a:rPr lang="en-US" dirty="0" err="1"/>
+              <a:t>pygame.sprite.Sprite</a:t>
+            </a:r>
+            <a:r>
+              <a:rPr lang="en-US" dirty="0"/>
+              <a:t>)</a:t>
+            </a:r>
+            <a:endParaRPr lang="ru-RU" dirty="0"/>
           </a:p>
           <a:p>
             <a:pPr marL="0" indent="0">
@@ -9150,8 +9171,21 @@
             </a:r>
             <a:r>
               <a:rPr lang="ru-RU" dirty="0"/>
-              <a:t> класс </a:t>
-            </a:r>
+              <a:t> класс</a:t>
+            </a:r>
+            <a:r>
+              <a:rPr lang="en-US" dirty="0"/>
+              <a:t> Enemy(</a:t>
+            </a:r>
+            <a:r>
+              <a:rPr lang="en-US" dirty="0" err="1"/>
+              <a:t>pygame.sprite.Sprite</a:t>
+            </a:r>
+            <a:r>
+              <a:rPr lang="en-US" dirty="0"/>
+              <a:t>)</a:t>
+            </a:r>
+            <a:endParaRPr lang="ru-RU" dirty="0"/>
           </a:p>
           <a:p>
             <a:pPr marL="0" indent="0">
@@ -9175,7 +9209,18 @@
               <a:rPr lang="ru-RU" dirty="0"/>
               <a:t> класс </a:t>
             </a:r>
-            <a:endParaRPr lang="en-US" dirty="0"/>
+            <a:r>
+              <a:rPr lang="en-US" dirty="0"/>
+              <a:t>Coin(</a:t>
+            </a:r>
+            <a:r>
+              <a:rPr lang="en-US" dirty="0" err="1"/>
+              <a:t>pygame.sprite.Sprite</a:t>
+            </a:r>
+            <a:r>
+              <a:rPr lang="en-US" dirty="0"/>
+              <a:t>)</a:t>
+            </a:r>
           </a:p>
           <a:p>
             <a:pPr marL="0" indent="0">
@@ -9198,6 +9243,18 @@
             <a:r>
               <a:rPr lang="ru-RU" dirty="0"/>
               <a:t> класс </a:t>
+            </a:r>
+            <a:r>
+              <a:rPr lang="en-US" dirty="0"/>
+              <a:t>Tile(</a:t>
+            </a:r>
+            <a:r>
+              <a:rPr lang="en-US" dirty="0" err="1"/>
+              <a:t>pygame.sprite.Sprite</a:t>
+            </a:r>
+            <a:r>
+              <a:rPr lang="en-US" dirty="0"/>
+              <a:t>)</a:t>
             </a:r>
             <a:endParaRPr lang="ru-RU" noProof="1"/>
           </a:p>
@@ -9731,7 +9788,7 @@
         <p:spPr>
           <a:xfrm>
             <a:off x="1018191" y="685801"/>
-            <a:ext cx="7411825" cy="1549400"/>
+            <a:ext cx="10080020" cy="1549400"/>
           </a:xfrm>
         </p:spPr>
         <p:txBody>
@@ -9750,12 +9807,20 @@
               <a:t>class</a:t>
             </a:r>
             <a:r>
+              <a:rPr lang="ru-RU" dirty="0"/>
+              <a:t> </a:t>
+            </a:r>
+            <a:r>
               <a:rPr lang="en-US" dirty="0"/>
-              <a:t> </a:t>
-            </a:r>
-            <a:r>
-              <a:rPr lang="ru-RU" dirty="0"/>
-              <a:t>класс </a:t>
+              <a:t>Player(</a:t>
+            </a:r>
+            <a:r>
+              <a:rPr lang="en-US" dirty="0" err="1"/>
+              <a:t>pygame.sprite.Sprite</a:t>
+            </a:r>
+            <a:r>
+              <a:rPr lang="en-US" dirty="0"/>
+              <a:t>):</a:t>
             </a:r>
             <a:br>
               <a:rPr lang="en-US" dirty="0"/>
@@ -9804,11 +9869,41 @@
             </a:pPr>
             <a:r>
               <a:rPr lang="ru-RU" noProof="1"/>
-              <a:t>текст</a:t>
-            </a:r>
-          </a:p>
-        </p:txBody>
-      </p:sp>
+              <a:t>В этом классе реализован главный герой игры, которым управляет игрок и с которым происходят все действия внутри игры.</a:t>
+            </a:r>
+          </a:p>
+        </p:txBody>
+      </p:sp>
+      <p:pic>
+        <p:nvPicPr>
+          <p:cNvPr id="5" name="Рисунок 4">
+            <a:extLst>
+              <a:ext uri="{FF2B5EF4-FFF2-40B4-BE49-F238E27FC236}">
+                <a16:creationId xmlns:a16="http://schemas.microsoft.com/office/drawing/2014/main" id="{C34DAA83-5414-4767-9CC5-6C4F9FDA0C1D}"/>
+              </a:ext>
+            </a:extLst>
+          </p:cNvPr>
+          <p:cNvPicPr>
+            <a:picLocks noChangeAspect="1"/>
+          </p:cNvPicPr>
+          <p:nvPr/>
+        </p:nvPicPr>
+        <p:blipFill>
+          <a:blip r:embed="rId3"/>
+          <a:stretch>
+            <a:fillRect/>
+          </a:stretch>
+        </p:blipFill>
+        <p:spPr>
+          <a:xfrm>
+            <a:off x="1013429" y="3007646"/>
+            <a:ext cx="6747858" cy="3474249"/>
+          </a:xfrm>
+          <a:prstGeom prst="rect">
+            <a:avLst/>
+          </a:prstGeom>
+        </p:spPr>
+      </p:pic>
     </p:spTree>
     <p:extLst>
       <p:ext uri="{BB962C8B-B14F-4D97-AF65-F5344CB8AC3E}">
@@ -10360,11 +10455,15 @@
             </a:r>
             <a:r>
               <a:rPr lang="en-US" dirty="0"/>
-              <a:t> </a:t>
-            </a:r>
-            <a:r>
-              <a:rPr lang="ru-RU" dirty="0"/>
-              <a:t>класс</a:t>
+              <a:t> Enemy(</a:t>
+            </a:r>
+            <a:r>
+              <a:rPr lang="en-US" dirty="0" err="1"/>
+              <a:t>pygame.sprite.Sprite</a:t>
+            </a:r>
+            <a:r>
+              <a:rPr lang="en-US" dirty="0"/>
+              <a:t>):</a:t>
             </a:r>
             <a:br>
               <a:rPr lang="en-US" dirty="0"/>
@@ -10416,11 +10515,49 @@
             </a:pPr>
             <a:r>
               <a:rPr lang="ru-RU" noProof="1"/>
-              <a:t>текст</a:t>
-            </a:r>
-          </a:p>
-        </p:txBody>
-      </p:sp>
+              <a:t>В этом классе реализован</a:t>
+            </a:r>
+            <a:r>
+              <a:rPr lang="en-US" noProof="1"/>
+              <a:t> </a:t>
+            </a:r>
+            <a:r>
+              <a:rPr lang="ru-RU" noProof="1"/>
+              <a:t>враждебный моб, который будет преследовать главного героя всю игру в попытке догнать и убить его.</a:t>
+            </a:r>
+          </a:p>
+        </p:txBody>
+      </p:sp>
+      <p:pic>
+        <p:nvPicPr>
+          <p:cNvPr id="4" name="Рисунок 3">
+            <a:extLst>
+              <a:ext uri="{FF2B5EF4-FFF2-40B4-BE49-F238E27FC236}">
+                <a16:creationId xmlns:a16="http://schemas.microsoft.com/office/drawing/2014/main" id="{CA773E04-6903-415A-8433-466494B2019D}"/>
+              </a:ext>
+            </a:extLst>
+          </p:cNvPr>
+          <p:cNvPicPr>
+            <a:picLocks noChangeAspect="1"/>
+          </p:cNvPicPr>
+          <p:nvPr/>
+        </p:nvPicPr>
+        <p:blipFill>
+          <a:blip r:embed="rId3"/>
+          <a:stretch>
+            <a:fillRect/>
+          </a:stretch>
+        </p:blipFill>
+        <p:spPr>
+          <a:xfrm>
+            <a:off x="1018191" y="2910152"/>
+            <a:ext cx="7050988" cy="3121680"/>
+          </a:xfrm>
+          <a:prstGeom prst="rect">
+            <a:avLst/>
+          </a:prstGeom>
+        </p:spPr>
+      </p:pic>
     </p:spTree>
     <p:extLst>
       <p:ext uri="{BB962C8B-B14F-4D97-AF65-F5344CB8AC3E}">
@@ -10971,12 +11108,24 @@
               <a:t>class</a:t>
             </a:r>
             <a:r>
+              <a:rPr lang="ru-RU" dirty="0">
+                <a:highlight>
+                  <a:srgbClr val="FF00FF"/>
+                </a:highlight>
+              </a:rPr>
+              <a:t> </a:t>
+            </a:r>
+            <a:r>
               <a:rPr lang="en-US" dirty="0"/>
-              <a:t> </a:t>
-            </a:r>
-            <a:r>
-              <a:rPr lang="ru-RU" dirty="0"/>
-              <a:t>класс</a:t>
+              <a:t>Coin (</a:t>
+            </a:r>
+            <a:r>
+              <a:rPr lang="en-US" dirty="0" err="1"/>
+              <a:t>pygame.sprite.Sprite</a:t>
+            </a:r>
+            <a:r>
+              <a:rPr lang="en-US" dirty="0"/>
+              <a:t>):</a:t>
             </a:r>
             <a:br>
               <a:rPr lang="en-US" dirty="0"/>
@@ -11028,11 +11177,41 @@
             </a:pPr>
             <a:r>
               <a:rPr lang="ru-RU" noProof="1"/>
-              <a:t>текст</a:t>
-            </a:r>
-          </a:p>
-        </p:txBody>
-      </p:sp>
+              <a:t>В этом классе реализованы очки(обломки ключа), который надо собрать на локации чтобы открыть выход и пройти игру.</a:t>
+            </a:r>
+          </a:p>
+        </p:txBody>
+      </p:sp>
+      <p:pic>
+        <p:nvPicPr>
+          <p:cNvPr id="4" name="Рисунок 3">
+            <a:extLst>
+              <a:ext uri="{FF2B5EF4-FFF2-40B4-BE49-F238E27FC236}">
+                <a16:creationId xmlns:a16="http://schemas.microsoft.com/office/drawing/2014/main" id="{74625546-F47D-43B5-8E97-5C3CDD36D001}"/>
+              </a:ext>
+            </a:extLst>
+          </p:cNvPr>
+          <p:cNvPicPr>
+            <a:picLocks noChangeAspect="1"/>
+          </p:cNvPicPr>
+          <p:nvPr/>
+        </p:nvPicPr>
+        <p:blipFill>
+          <a:blip r:embed="rId3"/>
+          <a:stretch>
+            <a:fillRect/>
+          </a:stretch>
+        </p:blipFill>
+        <p:spPr>
+          <a:xfrm>
+            <a:off x="1013429" y="3110805"/>
+            <a:ext cx="7182830" cy="1601196"/>
+          </a:xfrm>
+          <a:prstGeom prst="rect">
+            <a:avLst/>
+          </a:prstGeom>
+        </p:spPr>
+      </p:pic>
     </p:spTree>
     <p:extLst>
       <p:ext uri="{BB962C8B-B14F-4D97-AF65-F5344CB8AC3E}">
@@ -11583,12 +11762,20 @@
               <a:t>class</a:t>
             </a:r>
             <a:r>
+              <a:rPr lang="ru-RU" dirty="0"/>
+              <a:t> </a:t>
+            </a:r>
+            <a:r>
               <a:rPr lang="en-US" dirty="0"/>
-              <a:t> </a:t>
-            </a:r>
-            <a:r>
-              <a:rPr lang="ru-RU" dirty="0"/>
-              <a:t>класс</a:t>
+              <a:t>Tile (</a:t>
+            </a:r>
+            <a:r>
+              <a:rPr lang="en-US" dirty="0" err="1"/>
+              <a:t>pygame.sprite.Sprite</a:t>
+            </a:r>
+            <a:r>
+              <a:rPr lang="en-US" dirty="0"/>
+              <a:t>):</a:t>
             </a:r>
             <a:br>
               <a:rPr lang="en-US" dirty="0"/>
@@ -11640,11 +11827,57 @@
             </a:pPr>
             <a:r>
               <a:rPr lang="ru-RU" noProof="1"/>
-              <a:t>текст</a:t>
-            </a:r>
-          </a:p>
-        </p:txBody>
-      </p:sp>
+              <a:t>В этом классе реализованы </a:t>
+            </a:r>
+            <a:r>
+              <a:rPr lang="en-US" noProof="1"/>
+              <a:t>“</a:t>
+            </a:r>
+            <a:r>
+              <a:rPr lang="ru-RU" noProof="1"/>
+              <a:t>плитки</a:t>
+            </a:r>
+            <a:r>
+              <a:rPr lang="en-US" noProof="1"/>
+              <a:t>”</a:t>
+            </a:r>
+            <a:r>
+              <a:rPr lang="ru-RU" noProof="1"/>
+              <a:t> из которых состоит карта на которой происходят все действия внутри игры.</a:t>
+            </a:r>
+          </a:p>
+        </p:txBody>
+      </p:sp>
+      <p:pic>
+        <p:nvPicPr>
+          <p:cNvPr id="4" name="Рисунок 3">
+            <a:extLst>
+              <a:ext uri="{FF2B5EF4-FFF2-40B4-BE49-F238E27FC236}">
+                <a16:creationId xmlns:a16="http://schemas.microsoft.com/office/drawing/2014/main" id="{E6876FE9-16E5-4D23-9664-FD5D31E70019}"/>
+              </a:ext>
+            </a:extLst>
+          </p:cNvPr>
+          <p:cNvPicPr>
+            <a:picLocks noChangeAspect="1"/>
+          </p:cNvPicPr>
+          <p:nvPr/>
+        </p:nvPicPr>
+        <p:blipFill>
+          <a:blip r:embed="rId3"/>
+          <a:stretch>
+            <a:fillRect/>
+          </a:stretch>
+        </p:blipFill>
+        <p:spPr>
+          <a:xfrm>
+            <a:off x="1006071" y="3110805"/>
+            <a:ext cx="7190188" cy="1602836"/>
+          </a:xfrm>
+          <a:prstGeom prst="rect">
+            <a:avLst/>
+          </a:prstGeom>
+        </p:spPr>
+      </p:pic>
     </p:spTree>
     <p:extLst>
       <p:ext uri="{BB962C8B-B14F-4D97-AF65-F5344CB8AC3E}">
@@ -12233,8 +12466,12 @@
               <a:buNone/>
             </a:pPr>
             <a:r>
-              <a:rPr lang="ru-RU" dirty="0"/>
-              <a:t>Библиотека</a:t>
+              <a:rPr lang="en-US" dirty="0" err="1"/>
+              <a:t>Pygame</a:t>
+            </a:r>
+            <a:r>
+              <a:rPr lang="en-US" dirty="0"/>
+              <a:t>==2.1.0</a:t>
             </a:r>
           </a:p>
           <a:p>
@@ -12242,81 +12479,25 @@
               <a:buNone/>
             </a:pPr>
             <a:r>
-              <a:rPr lang="ru-RU" dirty="0"/>
-              <a:t>Библиотека</a:t>
+              <a:rPr lang="en-US" dirty="0" err="1"/>
+              <a:t>DateTime</a:t>
+            </a:r>
+            <a:r>
+              <a:rPr lang="en-US" dirty="0"/>
+              <a:t>==4.3</a:t>
             </a:r>
           </a:p>
           <a:p>
             <a:pPr marL="0" indent="0">
               <a:buNone/>
             </a:pPr>
-            <a:r>
-              <a:rPr lang="ru-RU" dirty="0"/>
-              <a:t>Библиотека</a:t>
-            </a:r>
+            <a:endParaRPr lang="ru-RU" dirty="0"/>
           </a:p>
           <a:p>
             <a:pPr marL="0" indent="0">
               <a:buNone/>
             </a:pPr>
-            <a:r>
-              <a:rPr lang="ru-RU" dirty="0"/>
-              <a:t>Библиотека</a:t>
-            </a:r>
-          </a:p>
-          <a:p>
-            <a:pPr marL="0" indent="0">
-              <a:buNone/>
-            </a:pPr>
-            <a:r>
-              <a:rPr lang="ru-RU" dirty="0"/>
-              <a:t>Библиотека</a:t>
-            </a:r>
-          </a:p>
-          <a:p>
-            <a:pPr marL="0" indent="0">
-              <a:buNone/>
-            </a:pPr>
-            <a:r>
-              <a:rPr lang="ru-RU" dirty="0"/>
-              <a:t>Библиотека</a:t>
-            </a:r>
-          </a:p>
-          <a:p>
-            <a:pPr marL="0" indent="0">
-              <a:buNone/>
-            </a:pPr>
-            <a:r>
-              <a:rPr lang="ru-RU" dirty="0"/>
-              <a:t>Библиотека</a:t>
-            </a:r>
-          </a:p>
-          <a:p>
-            <a:pPr marL="0" indent="0">
-              <a:buNone/>
-            </a:pPr>
-            <a:r>
-              <a:rPr lang="ru-RU" dirty="0"/>
-              <a:t>Библиотека</a:t>
-            </a:r>
-          </a:p>
-          <a:p>
-            <a:pPr marL="0" indent="0">
-              <a:buNone/>
-            </a:pPr>
-            <a:r>
-              <a:rPr lang="ru-RU" dirty="0"/>
-              <a:t>Библиотека</a:t>
-            </a:r>
-          </a:p>
-          <a:p>
-            <a:pPr marL="0" indent="0">
-              <a:buNone/>
-            </a:pPr>
-            <a:r>
-              <a:rPr lang="ru-RU" dirty="0"/>
-              <a:t>Библиотека</a:t>
-            </a:r>
+            <a:endParaRPr lang="ru-RU" dirty="0"/>
           </a:p>
         </p:txBody>
       </p:sp>
@@ -13357,20 +13538,20 @@
 </file>
 
 <file path=customXml/item2.xml><?xml version="1.0" encoding="utf-8"?>
+<p:properties xmlns:p="http://schemas.microsoft.com/office/2006/metadata/properties" xmlns:xsi="http://www.w3.org/2001/XMLSchema-instance" xmlns:pc="http://schemas.microsoft.com/office/infopath/2007/PartnerControls">
+  <documentManagement>
+    <MediaServiceKeyPoints xmlns="71af3243-3dd4-4a8d-8c0d-dd76da1f02a5" xsi:nil="true"/>
+  </documentManagement>
+</p:properties>
+</file>
+
+<file path=customXml/item3.xml><?xml version="1.0" encoding="utf-8"?>
 <?mso-contentType ?>
 <FormTemplates xmlns="http://schemas.microsoft.com/sharepoint/v3/contenttype/forms">
   <Display>DocumentLibraryForm</Display>
   <Edit>DocumentLibraryForm</Edit>
   <New>DocumentLibraryForm</New>
 </FormTemplates>
-</file>
-
-<file path=customXml/item3.xml><?xml version="1.0" encoding="utf-8"?>
-<p:properties xmlns:p="http://schemas.microsoft.com/office/2006/metadata/properties" xmlns:xsi="http://www.w3.org/2001/XMLSchema-instance" xmlns:pc="http://schemas.microsoft.com/office/infopath/2007/PartnerControls">
-  <documentManagement>
-    <MediaServiceKeyPoints xmlns="71af3243-3dd4-4a8d-8c0d-dd76da1f02a5" xsi:nil="true"/>
-  </documentManagement>
-</p:properties>
 </file>
 
 <file path=customXml/itemProps1.xml><?xml version="1.0" encoding="utf-8"?>
@@ -13393,26 +13574,26 @@
 </file>
 
 <file path=customXml/itemProps2.xml><?xml version="1.0" encoding="utf-8"?>
+<ds:datastoreItem xmlns:ds="http://schemas.openxmlformats.org/officeDocument/2006/customXml" ds:itemID="{D7023227-530E-4024-91EF-312A851A758C}">
+  <ds:schemaRefs>
+    <ds:schemaRef ds:uri="16c05727-aa75-4e4a-9b5f-8a80a1165891"/>
+    <ds:schemaRef ds:uri="http://purl.org/dc/dcmitype/"/>
+    <ds:schemaRef ds:uri="http://schemas.microsoft.com/office/infopath/2007/PartnerControls"/>
+    <ds:schemaRef ds:uri="http://schemas.microsoft.com/office/2006/documentManagement/types"/>
+    <ds:schemaRef ds:uri="http://purl.org/dc/elements/1.1/"/>
+    <ds:schemaRef ds:uri="http://schemas.microsoft.com/office/2006/metadata/properties"/>
+    <ds:schemaRef ds:uri="http://purl.org/dc/terms/"/>
+    <ds:schemaRef ds:uri="http://schemas.openxmlformats.org/package/2006/metadata/core-properties"/>
+    <ds:schemaRef ds:uri="71af3243-3dd4-4a8d-8c0d-dd76da1f02a5"/>
+    <ds:schemaRef ds:uri="http://www.w3.org/XML/1998/namespace"/>
+  </ds:schemaRefs>
+</ds:datastoreItem>
+</file>
+
+<file path=customXml/itemProps3.xml><?xml version="1.0" encoding="utf-8"?>
 <ds:datastoreItem xmlns:ds="http://schemas.openxmlformats.org/officeDocument/2006/customXml" ds:itemID="{33315AA3-EAE3-44ED-8368-BAC2FFFB4817}">
   <ds:schemaRefs>
     <ds:schemaRef ds:uri="http://schemas.microsoft.com/sharepoint/v3/contenttype/forms"/>
   </ds:schemaRefs>
 </ds:datastoreItem>
-</file>
-
-<file path=customXml/itemProps3.xml><?xml version="1.0" encoding="utf-8"?>
-<ds:datastoreItem xmlns:ds="http://schemas.openxmlformats.org/officeDocument/2006/customXml" ds:itemID="{D7023227-530E-4024-91EF-312A851A758C}">
-  <ds:schemaRefs>
-    <ds:schemaRef ds:uri="http://purl.org/dc/terms/"/>
-    <ds:schemaRef ds:uri="http://schemas.microsoft.com/office/2006/documentManagement/types"/>
-    <ds:schemaRef ds:uri="http://purl.org/dc/elements/1.1/"/>
-    <ds:schemaRef ds:uri="http://schemas.microsoft.com/office/2006/metadata/properties"/>
-    <ds:schemaRef ds:uri="16c05727-aa75-4e4a-9b5f-8a80a1165891"/>
-    <ds:schemaRef ds:uri="http://schemas.microsoft.com/office/infopath/2007/PartnerControls"/>
-    <ds:schemaRef ds:uri="http://schemas.openxmlformats.org/package/2006/metadata/core-properties"/>
-    <ds:schemaRef ds:uri="71af3243-3dd4-4a8d-8c0d-dd76da1f02a5"/>
-    <ds:schemaRef ds:uri="http://www.w3.org/XML/1998/namespace"/>
-    <ds:schemaRef ds:uri="http://purl.org/dc/dcmitype/"/>
-  </ds:schemaRefs>
-</ds:datastoreItem>
 </file>
--- a/game.pptx
+++ b/game.pptx
@@ -212,7 +212,7 @@
             <a:pPr rtl="0"/>
             <a:fld id="{0E749AC1-8D5E-4EB5-87AD-0760D45420E8}" type="datetime1">
               <a:rPr lang="ru-RU" noProof="1" smtClean="0"/>
-              <a:t>13.01.2022</a:t>
+              <a:t>17.01.2022</a:t>
             </a:fld>
             <a:endParaRPr lang="ru-RU" noProof="1"/>
           </a:p>
@@ -382,7 +382,7 @@
             <a:pPr rtl="0"/>
             <a:fld id="{0FC47C68-5B2F-42B5-95FE-C3031574EEB1}" type="datetime1">
               <a:rPr lang="ru-RU" noProof="1" smtClean="0"/>
-              <a:t>13.01.2022</a:t>
+              <a:t>17.01.2022</a:t>
             </a:fld>
             <a:endParaRPr lang="ru-RU" noProof="1"/>
           </a:p>
@@ -1844,7 +1844,7 @@
             <a:pPr rtl="0"/>
             <a:fld id="{29DF47DE-273E-488A-93E0-A11ADEA9B9C9}" type="datetime1">
               <a:rPr lang="ru-RU" noProof="1" dirty="0" smtClean="0"/>
-              <a:t>13.01.2022</a:t>
+              <a:t>17.01.2022</a:t>
             </a:fld>
             <a:endParaRPr lang="ru-RU" noProof="1"/>
           </a:p>
@@ -2139,7 +2139,7 @@
             <a:pPr rtl="0"/>
             <a:fld id="{A8853DAC-4AF5-4288-9253-BF40FCA4C3DA}" type="datetime1">
               <a:rPr lang="ru-RU" noProof="1" smtClean="0"/>
-              <a:t>13.01.2022</a:t>
+              <a:t>17.01.2022</a:t>
             </a:fld>
             <a:endParaRPr lang="ru-RU" noProof="1"/>
           </a:p>
@@ -2386,7 +2386,7 @@
             <a:pPr rtl="0"/>
             <a:fld id="{72FF79C8-D3F6-4B0D-9805-10EDB1C5EE9C}" type="datetime1">
               <a:rPr lang="ru-RU" noProof="1" smtClean="0"/>
-              <a:t>13.01.2022</a:t>
+              <a:t>17.01.2022</a:t>
             </a:fld>
             <a:endParaRPr lang="ru-RU" noProof="1"/>
           </a:p>
@@ -2925,7 +2925,7 @@
             <a:pPr rtl="0"/>
             <a:fld id="{01A6AD39-F790-4AE9-A3C0-EDD83650A5A1}" type="datetime1">
               <a:rPr lang="ru-RU" noProof="1" smtClean="0"/>
-              <a:t>13.01.2022</a:t>
+              <a:t>17.01.2022</a:t>
             </a:fld>
             <a:endParaRPr lang="ru-RU" noProof="1"/>
           </a:p>
@@ -3172,7 +3172,7 @@
             <a:pPr rtl="0"/>
             <a:fld id="{7B79C875-68A5-416C-953F-6060E3FF922E}" type="datetime1">
               <a:rPr lang="ru-RU" noProof="1" smtClean="0"/>
-              <a:t>13.01.2022</a:t>
+              <a:t>17.01.2022</a:t>
             </a:fld>
             <a:endParaRPr lang="ru-RU" noProof="1"/>
           </a:p>
@@ -3703,7 +3703,7 @@
             <a:pPr rtl="0"/>
             <a:fld id="{25177B04-ADE3-4D48-9249-8F6469DAAEB4}" type="datetime1">
               <a:rPr lang="ru-RU" noProof="1" smtClean="0"/>
-              <a:t>13.01.2022</a:t>
+              <a:t>17.01.2022</a:t>
             </a:fld>
             <a:endParaRPr lang="ru-RU" noProof="1"/>
           </a:p>
@@ -3998,7 +3998,7 @@
             <a:pPr rtl="0"/>
             <a:fld id="{9CB7D222-3BB8-4073-BC98-464DC2B015F1}" type="datetime1">
               <a:rPr lang="ru-RU" noProof="1" smtClean="0"/>
-              <a:t>13.01.2022</a:t>
+              <a:t>17.01.2022</a:t>
             </a:fld>
             <a:endParaRPr lang="ru-RU" noProof="1"/>
           </a:p>
@@ -4170,7 +4170,7 @@
             <a:pPr rtl="0"/>
             <a:fld id="{983A6F1E-4417-474E-8283-614818F2A4DB}" type="datetime1">
               <a:rPr lang="ru-RU" noProof="1" smtClean="0"/>
-              <a:t>13.01.2022</a:t>
+              <a:t>17.01.2022</a:t>
             </a:fld>
             <a:endParaRPr lang="ru-RU" noProof="1"/>
           </a:p>
@@ -4348,7 +4348,7 @@
             <a:pPr rtl="0"/>
             <a:fld id="{6CE311C0-3E11-41B8-89EC-2FF5859D4CFC}" type="datetime1">
               <a:rPr lang="ru-RU" noProof="1" smtClean="0"/>
-              <a:t>13.01.2022</a:t>
+              <a:t>17.01.2022</a:t>
             </a:fld>
             <a:endParaRPr lang="ru-RU" noProof="1"/>
           </a:p>
@@ -4516,7 +4516,7 @@
             <a:pPr rtl="0"/>
             <a:fld id="{42370B76-9E69-4F47-AA69-EACE3D52D2E7}" type="datetime1">
               <a:rPr lang="ru-RU" noProof="1" dirty="0" smtClean="0"/>
-              <a:t>13.01.2022</a:t>
+              <a:t>17.01.2022</a:t>
             </a:fld>
             <a:endParaRPr lang="ru-RU" noProof="1"/>
           </a:p>
@@ -4766,7 +4766,7 @@
             <a:pPr rtl="0"/>
             <a:fld id="{7DD5ABB4-2D0E-4613-A5D0-676E93A46986}" type="datetime1">
               <a:rPr lang="ru-RU" noProof="1" dirty="0" smtClean="0"/>
-              <a:t>13.01.2022</a:t>
+              <a:t>17.01.2022</a:t>
             </a:fld>
             <a:endParaRPr lang="ru-RU" noProof="1"/>
           </a:p>
@@ -5060,7 +5060,7 @@
             <a:pPr rtl="0"/>
             <a:fld id="{1A600C73-E6E6-4667-B4A9-574C1A31D491}" type="datetime1">
               <a:rPr lang="ru-RU" noProof="1" dirty="0" smtClean="0"/>
-              <a:t>13.01.2022</a:t>
+              <a:t>17.01.2022</a:t>
             </a:fld>
             <a:endParaRPr lang="ru-RU" noProof="1"/>
           </a:p>
@@ -5499,7 +5499,7 @@
             <a:pPr rtl="0"/>
             <a:fld id="{ABD6C61B-4BC7-450B-B521-067888A271A6}" type="datetime1">
               <a:rPr lang="ru-RU" noProof="1" smtClean="0"/>
-              <a:t>13.01.2022</a:t>
+              <a:t>17.01.2022</a:t>
             </a:fld>
             <a:endParaRPr lang="ru-RU" noProof="1"/>
           </a:p>
@@ -5616,7 +5616,7 @@
             <a:pPr rtl="0"/>
             <a:fld id="{A7369D23-9ED2-4009-8E40-364295259D64}" type="datetime1">
               <a:rPr lang="ru-RU" noProof="1" smtClean="0"/>
-              <a:t>13.01.2022</a:t>
+              <a:t>17.01.2022</a:t>
             </a:fld>
             <a:endParaRPr lang="ru-RU" noProof="1"/>
           </a:p>
@@ -5710,7 +5710,7 @@
             <a:pPr rtl="0"/>
             <a:fld id="{5B259CA2-169F-4CFE-965D-8D91E640A109}" type="datetime1">
               <a:rPr lang="ru-RU" noProof="1" smtClean="0"/>
-              <a:t>13.01.2022</a:t>
+              <a:t>17.01.2022</a:t>
             </a:fld>
             <a:endParaRPr lang="ru-RU" noProof="1"/>
           </a:p>
@@ -5991,7 +5991,7 @@
             <a:pPr rtl="0"/>
             <a:fld id="{52509601-BFB2-4950-8529-7030D9D2783A}" type="datetime1">
               <a:rPr lang="ru-RU" noProof="1" smtClean="0"/>
-              <a:t>13.01.2022</a:t>
+              <a:t>17.01.2022</a:t>
             </a:fld>
             <a:endParaRPr lang="ru-RU" noProof="1"/>
           </a:p>
@@ -6281,7 +6281,7 @@
             <a:pPr rtl="0"/>
             <a:fld id="{66AD2D47-3985-403D-BB64-6B05FCF3CD18}" type="datetime1">
               <a:rPr lang="ru-RU" noProof="1" smtClean="0"/>
-              <a:t>13.01.2022</a:t>
+              <a:t>17.01.2022</a:t>
             </a:fld>
             <a:endParaRPr lang="ru-RU" noProof="1"/>
           </a:p>
@@ -6809,7 +6809,7 @@
             <a:pPr rtl="0"/>
             <a:fld id="{802C4E0A-C8FF-40F8-8BC6-6C75382E8759}" type="datetime1">
               <a:rPr lang="ru-RU" noProof="1" dirty="0" smtClean="0"/>
-              <a:t>13.01.2022</a:t>
+              <a:t>17.01.2022</a:t>
             </a:fld>
             <a:endParaRPr lang="ru-RU" noProof="1"/>
           </a:p>
@@ -11177,7 +11177,7 @@
             </a:pPr>
             <a:r>
               <a:rPr lang="ru-RU" noProof="1"/>
-              <a:t>В этом классе реализованы очки(обломки ключа), который надо собрать на локации чтобы открыть выход и пройти игру.</a:t>
+              <a:t>В этом классе реализованы очки(монеты), который надо собрать на локации чтобы открыть выход и пройти игру.</a:t>
             </a:r>
           </a:p>
         </p:txBody>
@@ -13538,20 +13538,20 @@
 </file>
 
 <file path=customXml/item2.xml><?xml version="1.0" encoding="utf-8"?>
-<p:properties xmlns:p="http://schemas.microsoft.com/office/2006/metadata/properties" xmlns:xsi="http://www.w3.org/2001/XMLSchema-instance" xmlns:pc="http://schemas.microsoft.com/office/infopath/2007/PartnerControls">
-  <documentManagement>
-    <MediaServiceKeyPoints xmlns="71af3243-3dd4-4a8d-8c0d-dd76da1f02a5" xsi:nil="true"/>
-  </documentManagement>
-</p:properties>
-</file>
-
-<file path=customXml/item3.xml><?xml version="1.0" encoding="utf-8"?>
 <?mso-contentType ?>
 <FormTemplates xmlns="http://schemas.microsoft.com/sharepoint/v3/contenttype/forms">
   <Display>DocumentLibraryForm</Display>
   <Edit>DocumentLibraryForm</Edit>
   <New>DocumentLibraryForm</New>
 </FormTemplates>
+</file>
+
+<file path=customXml/item3.xml><?xml version="1.0" encoding="utf-8"?>
+<p:properties xmlns:p="http://schemas.microsoft.com/office/2006/metadata/properties" xmlns:xsi="http://www.w3.org/2001/XMLSchema-instance" xmlns:pc="http://schemas.microsoft.com/office/infopath/2007/PartnerControls">
+  <documentManagement>
+    <MediaServiceKeyPoints xmlns="71af3243-3dd4-4a8d-8c0d-dd76da1f02a5" xsi:nil="true"/>
+  </documentManagement>
+</p:properties>
 </file>
 
 <file path=customXml/itemProps1.xml><?xml version="1.0" encoding="utf-8"?>
@@ -13574,26 +13574,26 @@
 </file>
 
 <file path=customXml/itemProps2.xml><?xml version="1.0" encoding="utf-8"?>
-<ds:datastoreItem xmlns:ds="http://schemas.openxmlformats.org/officeDocument/2006/customXml" ds:itemID="{D7023227-530E-4024-91EF-312A851A758C}">
+<ds:datastoreItem xmlns:ds="http://schemas.openxmlformats.org/officeDocument/2006/customXml" ds:itemID="{33315AA3-EAE3-44ED-8368-BAC2FFFB4817}">
   <ds:schemaRefs>
-    <ds:schemaRef ds:uri="16c05727-aa75-4e4a-9b5f-8a80a1165891"/>
-    <ds:schemaRef ds:uri="http://purl.org/dc/dcmitype/"/>
-    <ds:schemaRef ds:uri="http://schemas.microsoft.com/office/infopath/2007/PartnerControls"/>
-    <ds:schemaRef ds:uri="http://schemas.microsoft.com/office/2006/documentManagement/types"/>
-    <ds:schemaRef ds:uri="http://purl.org/dc/elements/1.1/"/>
-    <ds:schemaRef ds:uri="http://schemas.microsoft.com/office/2006/metadata/properties"/>
-    <ds:schemaRef ds:uri="http://purl.org/dc/terms/"/>
-    <ds:schemaRef ds:uri="http://schemas.openxmlformats.org/package/2006/metadata/core-properties"/>
-    <ds:schemaRef ds:uri="71af3243-3dd4-4a8d-8c0d-dd76da1f02a5"/>
-    <ds:schemaRef ds:uri="http://www.w3.org/XML/1998/namespace"/>
+    <ds:schemaRef ds:uri="http://schemas.microsoft.com/sharepoint/v3/contenttype/forms"/>
   </ds:schemaRefs>
 </ds:datastoreItem>
 </file>
 
 <file path=customXml/itemProps3.xml><?xml version="1.0" encoding="utf-8"?>
-<ds:datastoreItem xmlns:ds="http://schemas.openxmlformats.org/officeDocument/2006/customXml" ds:itemID="{33315AA3-EAE3-44ED-8368-BAC2FFFB4817}">
+<ds:datastoreItem xmlns:ds="http://schemas.openxmlformats.org/officeDocument/2006/customXml" ds:itemID="{D7023227-530E-4024-91EF-312A851A758C}">
   <ds:schemaRefs>
-    <ds:schemaRef ds:uri="http://schemas.microsoft.com/sharepoint/v3/contenttype/forms"/>
+    <ds:schemaRef ds:uri="http://purl.org/dc/terms/"/>
+    <ds:schemaRef ds:uri="http://schemas.openxmlformats.org/package/2006/metadata/core-properties"/>
+    <ds:schemaRef ds:uri="16c05727-aa75-4e4a-9b5f-8a80a1165891"/>
+    <ds:schemaRef ds:uri="http://purl.org/dc/dcmitype/"/>
+    <ds:schemaRef ds:uri="http://schemas.microsoft.com/office/infopath/2007/PartnerControls"/>
+    <ds:schemaRef ds:uri="http://purl.org/dc/elements/1.1/"/>
+    <ds:schemaRef ds:uri="http://schemas.microsoft.com/office/2006/metadata/properties"/>
+    <ds:schemaRef ds:uri="http://schemas.microsoft.com/office/2006/documentManagement/types"/>
+    <ds:schemaRef ds:uri="71af3243-3dd4-4a8d-8c0d-dd76da1f02a5"/>
+    <ds:schemaRef ds:uri="http://www.w3.org/XML/1998/namespace"/>
   </ds:schemaRefs>
 </ds:datastoreItem>
 </file>